--- a/lectures/03-ebpm.pptx
+++ b/lectures/03-ebpm.pptx
@@ -4123,7 +4123,8 @@
               <a:buNone/>
             </a:pPr>
             <a:r>
-              <a:t>1/1/23</a:t>
+              <a:rPr lang="en-US" dirty="0"/>
+              <a:t>Spring 2023</a:t>
             </a:r>
           </a:p>
         </p:txBody>
